--- a/inflearn06/doc/교재.pptx
+++ b/inflearn06/doc/교재.pptx
@@ -5,18 +5,19 @@
     <p:sldMasterId id="2147483648" r:id="rId1"/>
   </p:sldMasterIdLst>
   <p:notesMasterIdLst>
-    <p:notesMasterId r:id="rId8"/>
+    <p:notesMasterId r:id="rId9"/>
   </p:notesMasterIdLst>
   <p:handoutMasterIdLst>
-    <p:handoutMasterId r:id="rId9"/>
+    <p:handoutMasterId r:id="rId10"/>
   </p:handoutMasterIdLst>
   <p:sldIdLst>
     <p:sldId id="261" r:id="rId2"/>
     <p:sldId id="286" r:id="rId3"/>
-    <p:sldId id="271" r:id="rId4"/>
+    <p:sldId id="290" r:id="rId4"/>
     <p:sldId id="287" r:id="rId5"/>
     <p:sldId id="288" r:id="rId6"/>
-    <p:sldId id="289" r:id="rId7"/>
+    <p:sldId id="271" r:id="rId7"/>
+    <p:sldId id="289" r:id="rId8"/>
   </p:sldIdLst>
   <p:sldSz cx="12192000" cy="6858000"/>
   <p:notesSz cx="6858000" cy="9144000"/>
@@ -642,7 +643,7 @@
                 <a:latin typeface="맑은 고딕" panose="020B0503020000020004" pitchFamily="50" charset="-127"/>
                 <a:ea typeface="맑은 고딕" panose="020B0503020000020004" pitchFamily="50" charset="-127"/>
               </a:rPr>
-              <a:t>2021년 3월 14일</a:t>
+              <a:t>2021년 3월 15일</a:t>
             </a:fld>
             <a:endParaRPr lang="ko-KR" altLang="en-US">
               <a:latin typeface="맑은 고딕" panose="020B0503020000020004" pitchFamily="50" charset="-127"/>
@@ -828,7 +829,7 @@
             <a:fld id="{BE16EC8A-0758-4FA9-BF4D-3119057076D1}" type="datetime4">
               <a:rPr lang="ko-KR" altLang="en-US" smtClean="0"/>
               <a:pPr/>
-              <a:t>2021년 3월 14일</a:t>
+              <a:t>2021년 3월 15일</a:t>
             </a:fld>
             <a:endParaRPr lang="ko-KR" altLang="en-US"/>
           </a:p>
@@ -3404,7 +3405,7 @@
           <a:p>
             <a:fld id="{2A5B65E4-62A8-4988-B07B-5D6D443B14ED}" type="datetime4">
               <a:rPr lang="ko-KR" altLang="en-US" smtClean="0"/>
-              <a:t>2021년 3월 14일</a:t>
+              <a:t>2021년 3월 15일</a:t>
             </a:fld>
             <a:endParaRPr lang="ko-KR" altLang="en-US"/>
           </a:p>
@@ -3660,7 +3661,7 @@
           <a:p>
             <a:fld id="{58EB6286-0DE7-4336-9826-977AD102FCF2}" type="datetime4">
               <a:rPr lang="ko-KR" altLang="en-US" noProof="0" smtClean="0"/>
-              <a:t>2021년 3월 14일</a:t>
+              <a:t>2021년 3월 15일</a:t>
             </a:fld>
             <a:endParaRPr lang="ko-KR" altLang="en-US" noProof="0"/>
           </a:p>
@@ -3856,7 +3857,7 @@
             <a:pPr rtl="0"/>
             <a:fld id="{6A5419DA-7218-42E5-A443-F000500111E1}" type="datetime4">
               <a:rPr lang="ko-KR" altLang="en-US" noProof="0" smtClean="0"/>
-              <a:t>2021년 3월 14일</a:t>
+              <a:t>2021년 3월 15일</a:t>
             </a:fld>
             <a:endParaRPr lang="ko-KR" altLang="en-US" noProof="0"/>
           </a:p>
@@ -6257,7 +6258,7 @@
           <a:p>
             <a:fld id="{E498C52F-1DF1-4226-BAB6-C1E2EE4C9D62}" type="datetime4">
               <a:rPr lang="ko-KR" altLang="en-US" noProof="0" smtClean="0"/>
-              <a:t>2021년 3월 14일</a:t>
+              <a:t>2021년 3월 15일</a:t>
             </a:fld>
             <a:endParaRPr lang="ko-KR" altLang="en-US" noProof="0"/>
           </a:p>
@@ -6776,7 +6777,7 @@
           <a:p>
             <a:fld id="{7B1E1FFC-F755-4558-8D3C-A157D1A01A8A}" type="datetime4">
               <a:rPr lang="ko-KR" altLang="en-US" noProof="0" smtClean="0"/>
-              <a:t>2021년 3월 14일</a:t>
+              <a:t>2021년 3월 15일</a:t>
             </a:fld>
             <a:endParaRPr lang="ko-KR" altLang="en-US" noProof="0"/>
           </a:p>
@@ -6920,7 +6921,7 @@
             <a:pPr rtl="0"/>
             <a:fld id="{DA2A33C0-A4A8-4C90-B6DA-35B8CF58C816}" type="datetime4">
               <a:rPr lang="ko-KR" altLang="en-US" noProof="0" smtClean="0"/>
-              <a:t>2021년 3월 14일</a:t>
+              <a:t>2021년 3월 15일</a:t>
             </a:fld>
             <a:endParaRPr lang="ko-KR" altLang="en-US" noProof="0"/>
           </a:p>
@@ -8868,7 +8869,7 @@
           <a:p>
             <a:fld id="{53CB1B8F-A14A-4BE4-A9B9-3B263F04145C}" type="datetime4">
               <a:rPr lang="ko-KR" altLang="en-US" noProof="0" smtClean="0"/>
-              <a:t>2021년 3월 14일</a:t>
+              <a:t>2021년 3월 15일</a:t>
             </a:fld>
             <a:endParaRPr lang="ko-KR" altLang="en-US" noProof="0"/>
           </a:p>
@@ -11165,7 +11166,7 @@
           <a:p>
             <a:fld id="{5B9196A3-957C-4113-A568-B6ED9AEA3D01}" type="datetime4">
               <a:rPr lang="ko-KR" altLang="en-US" noProof="0" smtClean="0"/>
-              <a:t>2021년 3월 14일</a:t>
+              <a:t>2021년 3월 15일</a:t>
             </a:fld>
             <a:endParaRPr lang="ko-KR" altLang="en-US" noProof="0"/>
           </a:p>
@@ -15482,7 +15483,7 @@
           <a:p>
             <a:fld id="{28BEB146-D335-4DA5-9826-58595BCDBE2E}" type="datetime4">
               <a:rPr lang="ko-KR" altLang="en-US" noProof="0" smtClean="0"/>
-              <a:t>2021년 3월 14일</a:t>
+              <a:t>2021년 3월 15일</a:t>
             </a:fld>
             <a:endParaRPr lang="ko-KR" altLang="en-US" noProof="0"/>
           </a:p>
@@ -16009,17 +16010,11 @@
           <a:p>
             <a:pPr rtl="0"/>
             <a:r>
-              <a:rPr lang="ko-KR" altLang="en-US" dirty="0">
-                <a:latin typeface="맑은 고딕" panose="020B0503020000020004" pitchFamily="50" charset="-127"/>
-                <a:ea typeface="맑은 고딕" panose="020B0503020000020004" pitchFamily="50" charset="-127"/>
-              </a:rPr>
-              <a:t>인증과 접근제어 기능을 구현합니다</a:t>
+              <a:rPr lang="ko-KR" altLang="en-US" dirty="0"/>
+              <a:t>암호화 기능을 구현합니다</a:t>
             </a:r>
             <a:r>
-              <a:rPr lang="en-US" altLang="ko-KR" dirty="0">
-                <a:latin typeface="맑은 고딕" panose="020B0503020000020004" pitchFamily="50" charset="-127"/>
-                <a:ea typeface="맑은 고딕" panose="020B0503020000020004" pitchFamily="50" charset="-127"/>
-              </a:rPr>
+              <a:rPr lang="en-US" altLang="ko-KR" dirty="0"/>
               <a:t>.</a:t>
             </a:r>
             <a:endParaRPr lang="ko-KR" altLang="en-US" dirty="0">
@@ -16089,125 +16084,63 @@
         </p:nvSpPr>
         <p:spPr/>
         <p:txBody>
-          <a:bodyPr/>
-          <a:lstStyle/>
-          <a:p>
-            <a:r>
-              <a:rPr lang="ko-KR" altLang="en-US" dirty="0"/>
-              <a:t>기밀성</a:t>
-            </a:r>
-            <a:r>
-              <a:rPr lang="en-US" altLang="ko-KR" dirty="0"/>
-              <a:t>, </a:t>
-            </a:r>
-            <a:r>
-              <a:rPr lang="ko-KR" altLang="en-US" dirty="0"/>
-              <a:t>무결성</a:t>
-            </a:r>
-            <a:r>
-              <a:rPr lang="en-US" altLang="ko-KR" dirty="0"/>
-              <a:t>, </a:t>
-            </a:r>
-            <a:r>
-              <a:rPr lang="ko-KR" altLang="en-US" dirty="0"/>
-              <a:t>가용성</a:t>
-            </a:r>
-            <a:r>
-              <a:rPr lang="en-US" altLang="ko-KR" dirty="0"/>
-              <a:t> </a:t>
-            </a:r>
-            <a:r>
-              <a:rPr lang="ko-KR" altLang="en-US" dirty="0"/>
-              <a:t>그리고 기술적 보안</a:t>
-            </a:r>
-          </a:p>
-        </p:txBody>
-      </p:sp>
-      <p:sp>
-        <p:nvSpPr>
-          <p:cNvPr id="3" name="내용 개체 틀 2">
-            <a:extLst>
-              <a:ext uri="{FF2B5EF4-FFF2-40B4-BE49-F238E27FC236}">
-                <a16:creationId xmlns:a16="http://schemas.microsoft.com/office/drawing/2014/main" id="{0C9231FF-28EB-4164-A188-3E920050747B}"/>
-              </a:ext>
-            </a:extLst>
-          </p:cNvPr>
-          <p:cNvSpPr>
-            <a:spLocks noGrp="1"/>
-          </p:cNvSpPr>
-          <p:nvPr>
-            <p:ph idx="1"/>
-          </p:nvPr>
-        </p:nvSpPr>
-        <p:spPr/>
-        <p:txBody>
           <a:bodyPr>
-            <a:normAutofit/>
+            <a:normAutofit fontScale="90000"/>
           </a:bodyPr>
           <a:lstStyle/>
           <a:p>
             <a:r>
-              <a:rPr lang="ko-KR" altLang="en-US" dirty="0"/>
-              <a:t>기밀성</a:t>
+              <a:rPr lang="ko-KR" altLang="en-US" dirty="0" err="1"/>
+              <a:t>해쉬함수는</a:t>
             </a:r>
-            <a:endParaRPr lang="en-US" altLang="ko-KR" dirty="0"/>
-          </a:p>
-          <a:p>
-            <a:pPr lvl="1"/>
             <a:r>
               <a:rPr lang="ko-KR" altLang="en-US" dirty="0"/>
-              <a:t>작업의 과정과 결과를 감추는 것</a:t>
-            </a:r>
-            <a:endParaRPr lang="en-US" altLang="ko-KR" dirty="0"/>
-          </a:p>
-          <a:p>
-            <a:r>
-              <a:rPr lang="ko-KR" altLang="en-US" dirty="0"/>
-              <a:t>무결성</a:t>
-            </a:r>
-            <a:endParaRPr lang="en-US" altLang="ko-KR" dirty="0"/>
-          </a:p>
-          <a:p>
-            <a:pPr lvl="1"/>
-            <a:r>
-              <a:rPr lang="ko-KR" altLang="en-US" dirty="0"/>
-              <a:t>작업의 흐름이 일치하는 것</a:t>
-            </a:r>
-            <a:endParaRPr lang="en-US" altLang="ko-KR" dirty="0"/>
-          </a:p>
-          <a:p>
-            <a:r>
-              <a:rPr lang="ko-KR" altLang="en-US" dirty="0"/>
-              <a:t>가용성</a:t>
-            </a:r>
-            <a:endParaRPr lang="en-US" altLang="ko-KR" dirty="0"/>
-          </a:p>
-          <a:p>
-            <a:pPr lvl="1"/>
-            <a:r>
-              <a:rPr lang="ko-KR" altLang="en-US" dirty="0"/>
-              <a:t>허락 받은 사용자가 정해진 작업을 할 수 있는 것</a:t>
-            </a:r>
-            <a:endParaRPr lang="en-US" altLang="ko-KR" dirty="0"/>
-          </a:p>
-          <a:p>
-            <a:pPr lvl="1"/>
-            <a:r>
-              <a:rPr lang="ko-KR" altLang="en-US" dirty="0"/>
-              <a:t>인증 </a:t>
+              <a:t> 암호화 알고리즘이 아닙니다</a:t>
             </a:r>
             <a:r>
               <a:rPr lang="en-US" altLang="ko-KR" dirty="0"/>
-              <a:t>+ </a:t>
+              <a:t>.</a:t>
             </a:r>
+            <a:br>
+              <a:rPr lang="en-US" altLang="ko-KR" dirty="0"/>
+            </a:br>
             <a:r>
-              <a:rPr lang="ko-KR" altLang="en-US" dirty="0"/>
-              <a:t>접근제어</a:t>
+              <a:rPr lang="en-US" altLang="ko-KR" dirty="0"/>
+              <a:t>(https://seed.kisa.or.kr/kisa/intro/EgovDefinition.do)</a:t>
             </a:r>
-            <a:endParaRPr lang="en-US" altLang="ko-KR" dirty="0"/>
+            <a:endParaRPr lang="ko-KR" altLang="en-US" dirty="0"/>
           </a:p>
         </p:txBody>
       </p:sp>
+      <p:pic>
+        <p:nvPicPr>
+          <p:cNvPr id="12" name="내용 개체 틀 11">
+            <a:extLst>
+              <a:ext uri="{FF2B5EF4-FFF2-40B4-BE49-F238E27FC236}">
+                <a16:creationId xmlns:a16="http://schemas.microsoft.com/office/drawing/2014/main" id="{CE25344A-4B1F-4BDA-8250-10003BF9038C}"/>
+              </a:ext>
+            </a:extLst>
+          </p:cNvPr>
+          <p:cNvPicPr>
+            <a:picLocks noGrp="1" noChangeAspect="1"/>
+          </p:cNvPicPr>
+          <p:nvPr>
+            <p:ph idx="1"/>
+          </p:nvPr>
+        </p:nvPicPr>
+        <p:blipFill>
+          <a:blip r:embed="rId2"/>
+          <a:stretch>
+            <a:fillRect/>
+          </a:stretch>
+        </p:blipFill>
+        <p:spPr>
+          <a:xfrm>
+            <a:off x="1405695" y="1981200"/>
+            <a:ext cx="9380610" cy="3810000"/>
+          </a:xfrm>
+        </p:spPr>
+      </p:pic>
     </p:spTree>
     <p:extLst>
       <p:ext uri="{BB962C8B-B14F-4D97-AF65-F5344CB8AC3E}">
@@ -16268,113 +16201,59 @@
         </p:nvSpPr>
         <p:spPr/>
         <p:txBody>
-          <a:bodyPr/>
+          <a:bodyPr>
+            <a:normAutofit fontScale="90000"/>
+          </a:bodyPr>
           <a:lstStyle/>
           <a:p>
             <a:r>
               <a:rPr lang="ko-KR" altLang="en-US" dirty="0"/>
-              <a:t>기밀성</a:t>
+              <a:t>암호기술의 정의</a:t>
             </a:r>
+            <a:br>
+              <a:rPr lang="en-US" altLang="ko-KR" dirty="0"/>
+            </a:br>
             <a:r>
               <a:rPr lang="en-US" altLang="ko-KR" dirty="0"/>
-              <a:t>, </a:t>
+              <a:t>(https://seed.kisa.or.kr/kisa/intro/EgovDefinition.do)</a:t>
             </a:r>
-            <a:r>
-              <a:rPr lang="ko-KR" altLang="en-US" dirty="0"/>
-              <a:t>무결성</a:t>
-            </a:r>
-            <a:r>
-              <a:rPr lang="en-US" altLang="ko-KR" dirty="0"/>
-              <a:t>, </a:t>
-            </a:r>
-            <a:r>
-              <a:rPr lang="ko-KR" altLang="en-US" dirty="0"/>
-              <a:t>가용성</a:t>
-            </a:r>
-            <a:r>
-              <a:rPr lang="en-US" altLang="ko-KR" dirty="0"/>
-              <a:t> </a:t>
-            </a:r>
-            <a:r>
-              <a:rPr lang="ko-KR" altLang="en-US" dirty="0"/>
-              <a:t>그리고 기술적 보안</a:t>
-            </a:r>
+            <a:endParaRPr lang="ko-KR" altLang="en-US" dirty="0"/>
           </a:p>
         </p:txBody>
       </p:sp>
-      <p:sp>
-        <p:nvSpPr>
-          <p:cNvPr id="3" name="내용 개체 틀 2">
+      <p:pic>
+        <p:nvPicPr>
+          <p:cNvPr id="5" name="내용 개체 틀 4">
             <a:extLst>
               <a:ext uri="{FF2B5EF4-FFF2-40B4-BE49-F238E27FC236}">
-                <a16:creationId xmlns:a16="http://schemas.microsoft.com/office/drawing/2014/main" id="{0C9231FF-28EB-4164-A188-3E920050747B}"/>
+                <a16:creationId xmlns:a16="http://schemas.microsoft.com/office/drawing/2014/main" id="{F730ECCB-1935-4E4C-B23C-C83BDA327F54}"/>
               </a:ext>
             </a:extLst>
           </p:cNvPr>
-          <p:cNvSpPr>
-            <a:spLocks noGrp="1"/>
-          </p:cNvSpPr>
+          <p:cNvPicPr>
+            <a:picLocks noGrp="1" noChangeAspect="1"/>
+          </p:cNvPicPr>
           <p:nvPr>
             <p:ph idx="1"/>
           </p:nvPr>
-        </p:nvSpPr>
-        <p:spPr/>
-        <p:txBody>
-          <a:bodyPr/>
-          <a:lstStyle/>
-          <a:p>
-            <a:r>
-              <a:rPr lang="ko-KR" altLang="en-US" dirty="0"/>
-              <a:t>기술적 보안</a:t>
-            </a:r>
-            <a:endParaRPr lang="en-US" altLang="ko-KR" dirty="0"/>
-          </a:p>
-          <a:p>
-            <a:pPr lvl="1"/>
-            <a:r>
-              <a:rPr lang="ko-KR" altLang="en-US" dirty="0"/>
-              <a:t>관리적 보안</a:t>
-            </a:r>
-            <a:endParaRPr lang="en-US" altLang="ko-KR" dirty="0"/>
-          </a:p>
-          <a:p>
-            <a:pPr lvl="1"/>
-            <a:r>
-              <a:rPr lang="ko-KR" altLang="en-US" dirty="0"/>
-              <a:t>물리적 보안</a:t>
-            </a:r>
-            <a:endParaRPr lang="en-US" altLang="ko-KR" dirty="0"/>
-          </a:p>
-          <a:p>
-            <a:pPr lvl="1"/>
-            <a:r>
-              <a:rPr lang="ko-KR" altLang="en-US" dirty="0"/>
-              <a:t>기술적 보안</a:t>
-            </a:r>
-            <a:endParaRPr lang="en-US" altLang="ko-KR" dirty="0"/>
-          </a:p>
-          <a:p>
-            <a:pPr lvl="2"/>
-            <a:r>
-              <a:rPr lang="ko-KR" altLang="en-US" dirty="0"/>
-              <a:t>인증</a:t>
-            </a:r>
-            <a:endParaRPr lang="en-US" altLang="ko-KR" dirty="0"/>
-          </a:p>
-          <a:p>
-            <a:pPr lvl="2"/>
-            <a:r>
-              <a:rPr lang="ko-KR" altLang="en-US" dirty="0"/>
-              <a:t>접근제어</a:t>
-            </a:r>
-            <a:endParaRPr lang="en-US" altLang="ko-KR" dirty="0"/>
-          </a:p>
-        </p:txBody>
-      </p:sp>
+        </p:nvPicPr>
+        <p:blipFill>
+          <a:blip r:embed="rId2"/>
+          <a:stretch>
+            <a:fillRect/>
+          </a:stretch>
+        </p:blipFill>
+        <p:spPr>
+          <a:xfrm>
+            <a:off x="4044114" y="1981200"/>
+            <a:ext cx="4103772" cy="3810000"/>
+          </a:xfrm>
+        </p:spPr>
+      </p:pic>
     </p:spTree>
     <p:extLst>
       <p:ext uri="{BB962C8B-B14F-4D97-AF65-F5344CB8AC3E}">
-        <p14:creationId xmlns:p14="http://schemas.microsoft.com/office/powerpoint/2010/main" val="404669511"/>
+        <p14:creationId xmlns:p14="http://schemas.microsoft.com/office/powerpoint/2010/main" val="1190591883"/>
       </p:ext>
     </p:extLst>
   </p:cSld>
@@ -16431,143 +16310,55 @@
         </p:nvSpPr>
         <p:spPr/>
         <p:txBody>
-          <a:bodyPr/>
-          <a:lstStyle/>
-          <a:p>
-            <a:r>
-              <a:rPr lang="ko-KR" altLang="en-US" dirty="0"/>
-              <a:t>인증</a:t>
-            </a:r>
-          </a:p>
-        </p:txBody>
-      </p:sp>
-      <p:sp>
-        <p:nvSpPr>
-          <p:cNvPr id="3" name="내용 개체 틀 2">
-            <a:extLst>
-              <a:ext uri="{FF2B5EF4-FFF2-40B4-BE49-F238E27FC236}">
-                <a16:creationId xmlns:a16="http://schemas.microsoft.com/office/drawing/2014/main" id="{0C9231FF-28EB-4164-A188-3E920050747B}"/>
-              </a:ext>
-            </a:extLst>
-          </p:cNvPr>
-          <p:cNvSpPr>
-            <a:spLocks noGrp="1"/>
-          </p:cNvSpPr>
-          <p:nvPr>
-            <p:ph idx="1"/>
-          </p:nvPr>
-        </p:nvSpPr>
-        <p:spPr/>
-        <p:txBody>
           <a:bodyPr>
-            <a:normAutofit/>
+            <a:normAutofit fontScale="90000"/>
           </a:bodyPr>
           <a:lstStyle/>
           <a:p>
             <a:r>
               <a:rPr lang="ko-KR" altLang="en-US" dirty="0"/>
-              <a:t>내가 </a:t>
-            </a:r>
-            <a:r>
-              <a:rPr lang="ko-KR" altLang="en-US" dirty="0" err="1"/>
-              <a:t>누군지</a:t>
-            </a:r>
-            <a:r>
-              <a:rPr lang="ko-KR" altLang="en-US" dirty="0"/>
-              <a:t> 시스템에 알려주는 것</a:t>
-            </a:r>
-            <a:endParaRPr lang="en-US" altLang="ko-KR" dirty="0"/>
-          </a:p>
-          <a:p>
-            <a:pPr lvl="1"/>
-            <a:r>
-              <a:rPr lang="ko-KR" altLang="en-US" dirty="0"/>
-              <a:t>내가 </a:t>
-            </a:r>
-            <a:r>
-              <a:rPr lang="ko-KR" altLang="en-US" dirty="0" err="1"/>
-              <a:t>누군지</a:t>
-            </a:r>
-            <a:endParaRPr lang="en-US" altLang="ko-KR" dirty="0"/>
-          </a:p>
-          <a:p>
-            <a:pPr lvl="2"/>
-            <a:r>
-              <a:rPr lang="ko-KR" altLang="en-US" dirty="0"/>
-              <a:t>아이디</a:t>
+              <a:t>암호기술의 종류</a:t>
             </a:r>
             <a:r>
               <a:rPr lang="en-US" altLang="ko-KR" dirty="0"/>
-              <a:t>/</a:t>
+              <a:t>(https://seed.kisa.or.kr/kisa/intro/EgovDefinition.do)</a:t>
             </a:r>
-            <a:r>
-              <a:rPr lang="ko-KR" altLang="en-US" dirty="0"/>
-              <a:t>패스워드</a:t>
-            </a:r>
-            <a:endParaRPr lang="en-US" altLang="ko-KR" dirty="0"/>
-          </a:p>
-          <a:p>
-            <a:pPr lvl="1"/>
-            <a:r>
-              <a:rPr lang="ko-KR" altLang="en-US" dirty="0"/>
-              <a:t>시스템에 알려주는 것</a:t>
-            </a:r>
-            <a:endParaRPr lang="en-US" altLang="ko-KR" dirty="0"/>
-          </a:p>
-          <a:p>
-            <a:pPr lvl="2"/>
-            <a:r>
-              <a:rPr lang="ko-KR" altLang="en-US" dirty="0" err="1"/>
-              <a:t>브라우져</a:t>
-            </a:r>
-            <a:r>
-              <a:rPr lang="ko-KR" altLang="en-US" dirty="0"/>
-              <a:t> </a:t>
-            </a:r>
-            <a:r>
-              <a:rPr lang="en-US" altLang="ko-KR" dirty="0"/>
-              <a:t>: </a:t>
-            </a:r>
-            <a:r>
-              <a:rPr lang="ko-KR" altLang="en-US" dirty="0"/>
-              <a:t>쿠키</a:t>
-            </a:r>
-            <a:endParaRPr lang="en-US" altLang="ko-KR" dirty="0"/>
-          </a:p>
-          <a:p>
-            <a:pPr lvl="2"/>
-            <a:r>
-              <a:rPr lang="en-US" altLang="ko-KR" dirty="0"/>
-              <a:t>WAS : </a:t>
-            </a:r>
-            <a:r>
-              <a:rPr lang="ko-KR" altLang="en-US" dirty="0"/>
-              <a:t>세션</a:t>
-            </a:r>
-            <a:endParaRPr lang="en-US" altLang="ko-KR" dirty="0"/>
-          </a:p>
-          <a:p>
-            <a:pPr lvl="2"/>
-            <a:r>
-              <a:rPr lang="ko-KR" altLang="en-US" dirty="0" err="1"/>
-              <a:t>비즈니스로직</a:t>
-            </a:r>
-            <a:r>
-              <a:rPr lang="ko-KR" altLang="en-US" dirty="0"/>
-              <a:t> </a:t>
-            </a:r>
-            <a:r>
-              <a:rPr lang="en-US" altLang="ko-KR" dirty="0"/>
-              <a:t>: </a:t>
-            </a:r>
-            <a:r>
-              <a:rPr lang="en-US" altLang="ko-KR" dirty="0" err="1"/>
-              <a:t>SessionB</a:t>
-            </a:r>
-            <a:endParaRPr lang="en-US" altLang="ko-KR" dirty="0"/>
+            <a:endParaRPr lang="ko-KR" altLang="en-US" dirty="0"/>
           </a:p>
         </p:txBody>
       </p:sp>
+      <p:pic>
+        <p:nvPicPr>
+          <p:cNvPr id="8" name="내용 개체 틀 7">
+            <a:extLst>
+              <a:ext uri="{FF2B5EF4-FFF2-40B4-BE49-F238E27FC236}">
+                <a16:creationId xmlns:a16="http://schemas.microsoft.com/office/drawing/2014/main" id="{23A95C00-4888-4A0D-86D3-5671B469A131}"/>
+              </a:ext>
+            </a:extLst>
+          </p:cNvPr>
+          <p:cNvPicPr>
+            <a:picLocks noGrp="1" noChangeAspect="1"/>
+          </p:cNvPicPr>
+          <p:nvPr>
+            <p:ph idx="1"/>
+          </p:nvPr>
+        </p:nvPicPr>
+        <p:blipFill>
+          <a:blip r:embed="rId2"/>
+          <a:stretch>
+            <a:fillRect/>
+          </a:stretch>
+        </p:blipFill>
+        <p:spPr>
+          <a:xfrm>
+            <a:off x="4380991" y="1981200"/>
+            <a:ext cx="3430017" cy="3810000"/>
+          </a:xfrm>
+          <a:prstGeom prst="rect">
+            <a:avLst/>
+          </a:prstGeom>
+        </p:spPr>
+      </p:pic>
     </p:spTree>
     <p:extLst>
       <p:ext uri="{BB962C8B-B14F-4D97-AF65-F5344CB8AC3E}">
@@ -16635,115 +16426,91 @@
           <a:p>
             <a:r>
               <a:rPr lang="ko-KR" altLang="en-US" dirty="0"/>
-              <a:t>접근제어</a:t>
+              <a:t>우리가 실제 사용하는 암호기술</a:t>
             </a:r>
           </a:p>
         </p:txBody>
       </p:sp>
-      <p:sp>
-        <p:nvSpPr>
-          <p:cNvPr id="3" name="내용 개체 틀 2">
+      <p:pic>
+        <p:nvPicPr>
+          <p:cNvPr id="5" name="Picture 4">
+            <a:hlinkClick r:id="rId2"/>
             <a:extLst>
               <a:ext uri="{FF2B5EF4-FFF2-40B4-BE49-F238E27FC236}">
-                <a16:creationId xmlns:a16="http://schemas.microsoft.com/office/drawing/2014/main" id="{0C9231FF-28EB-4164-A188-3E920050747B}"/>
+                <a16:creationId xmlns:a16="http://schemas.microsoft.com/office/drawing/2014/main" id="{6AFC6935-3962-46B2-95EE-8D591700160A}"/>
               </a:ext>
             </a:extLst>
           </p:cNvPr>
-          <p:cNvSpPr>
-            <a:spLocks noGrp="1"/>
-          </p:cNvSpPr>
+          <p:cNvPicPr>
+            <a:picLocks noGrp="1" noChangeAspect="1" noChangeArrowheads="1"/>
+          </p:cNvPicPr>
           <p:nvPr>
             <p:ph idx="1"/>
           </p:nvPr>
-        </p:nvSpPr>
-        <p:spPr/>
-        <p:txBody>
-          <a:bodyPr>
-            <a:normAutofit/>
-          </a:bodyPr>
-          <a:lstStyle/>
-          <a:p>
-            <a:r>
-              <a:rPr lang="ko-KR" altLang="en-US" dirty="0"/>
-              <a:t>내가 할 작업을 허락 받는 것</a:t>
-            </a:r>
-            <a:endParaRPr lang="en-US" altLang="ko-KR" dirty="0"/>
-          </a:p>
-          <a:p>
-            <a:pPr lvl="1"/>
-            <a:r>
-              <a:rPr lang="ko-KR" altLang="en-US" dirty="0"/>
-              <a:t>내가</a:t>
-            </a:r>
-            <a:endParaRPr lang="en-US" altLang="ko-KR" dirty="0"/>
-          </a:p>
-          <a:p>
-            <a:pPr lvl="2"/>
-            <a:r>
-              <a:rPr lang="ko-KR" altLang="en-US" dirty="0"/>
-              <a:t>아이디 </a:t>
-            </a:r>
-            <a:r>
-              <a:rPr lang="en-US" altLang="ko-KR" dirty="0"/>
-              <a:t>-&gt; </a:t>
-            </a:r>
-            <a:r>
-              <a:rPr lang="ko-KR" altLang="en-US" dirty="0"/>
-              <a:t>권한코드</a:t>
-            </a:r>
-            <a:endParaRPr lang="en-US" altLang="ko-KR" dirty="0"/>
-          </a:p>
-          <a:p>
-            <a:pPr lvl="2"/>
-            <a:r>
-              <a:rPr lang="ko-KR" altLang="en-US" dirty="0"/>
-              <a:t>접근통제모델 </a:t>
-            </a:r>
-            <a:r>
-              <a:rPr lang="en-US" altLang="ko-KR" dirty="0"/>
-              <a:t>: MAC, DAC, RBAC</a:t>
-            </a:r>
-          </a:p>
-          <a:p>
-            <a:pPr lvl="1"/>
-            <a:r>
-              <a:rPr lang="ko-KR" altLang="en-US" dirty="0"/>
-              <a:t>할 작업을 허락 받는 것</a:t>
-            </a:r>
-            <a:endParaRPr lang="en-US" altLang="ko-KR" dirty="0"/>
-          </a:p>
-          <a:p>
-            <a:pPr lvl="2"/>
-            <a:r>
-              <a:rPr lang="ko-KR" altLang="en-US" dirty="0"/>
-              <a:t>권한 </a:t>
-            </a:r>
-            <a:r>
-              <a:rPr lang="en-US" altLang="ko-KR" dirty="0"/>
-              <a:t>-&gt; </a:t>
-            </a:r>
-            <a:r>
-              <a:rPr lang="ko-KR" altLang="en-US" dirty="0"/>
-              <a:t>서비스키</a:t>
-            </a:r>
-            <a:r>
-              <a:rPr lang="en-US" altLang="ko-KR" dirty="0"/>
-              <a:t>, RBAC</a:t>
-            </a:r>
-          </a:p>
-          <a:p>
-            <a:pPr lvl="2"/>
-            <a:endParaRPr lang="en-US" altLang="ko-KR" dirty="0"/>
-          </a:p>
-          <a:p>
-            <a:pPr lvl="1"/>
-            <a:endParaRPr lang="en-US" altLang="ko-KR" dirty="0"/>
-          </a:p>
-          <a:p>
-            <a:endParaRPr lang="en-US" altLang="ko-KR" dirty="0"/>
-          </a:p>
-        </p:txBody>
-      </p:sp>
+        </p:nvPicPr>
+        <p:blipFill>
+          <a:blip r:embed="rId3">
+            <a:extLst>
+              <a:ext uri="{28A0092B-C50C-407E-A947-70E740481C1C}">
+                <a14:useLocalDpi xmlns:a14="http://schemas.microsoft.com/office/drawing/2010/main" val="0"/>
+              </a:ext>
+            </a:extLst>
+          </a:blip>
+          <a:srcRect/>
+          <a:stretch>
+            <a:fillRect/>
+          </a:stretch>
+        </p:blipFill>
+        <p:spPr bwMode="auto">
+          <a:xfrm>
+            <a:off x="1295400" y="2000934"/>
+            <a:ext cx="5090539" cy="3810000"/>
+          </a:xfrm>
+          <a:prstGeom prst="rect">
+            <a:avLst/>
+          </a:prstGeom>
+          <a:noFill/>
+          <a:extLst>
+            <a:ext uri="{909E8E84-426E-40DD-AFC4-6F175D3DCCD1}">
+              <a14:hiddenFill xmlns:a14="http://schemas.microsoft.com/office/drawing/2010/main">
+                <a:solidFill>
+                  <a:srgbClr val="FFFFFF"/>
+                </a:solidFill>
+              </a14:hiddenFill>
+            </a:ext>
+          </a:extLst>
+        </p:spPr>
+      </p:pic>
+      <p:pic>
+        <p:nvPicPr>
+          <p:cNvPr id="7" name="그림 6">
+            <a:extLst>
+              <a:ext uri="{FF2B5EF4-FFF2-40B4-BE49-F238E27FC236}">
+                <a16:creationId xmlns:a16="http://schemas.microsoft.com/office/drawing/2014/main" id="{E4AB9F23-FB78-42C5-8F94-F30AA9D70662}"/>
+              </a:ext>
+            </a:extLst>
+          </p:cNvPr>
+          <p:cNvPicPr>
+            <a:picLocks noChangeAspect="1"/>
+          </p:cNvPicPr>
+          <p:nvPr/>
+        </p:nvPicPr>
+        <p:blipFill>
+          <a:blip r:embed="rId4"/>
+          <a:stretch>
+            <a:fillRect/>
+          </a:stretch>
+        </p:blipFill>
+        <p:spPr>
+          <a:xfrm>
+            <a:off x="6790334" y="2000934"/>
+            <a:ext cx="3846967" cy="1227656"/>
+          </a:xfrm>
+          <a:prstGeom prst="rect">
+            <a:avLst/>
+          </a:prstGeom>
+        </p:spPr>
+      </p:pic>
     </p:spTree>
     <p:extLst>
       <p:ext uri="{BB962C8B-B14F-4D97-AF65-F5344CB8AC3E}">
@@ -16804,23 +16571,63 @@
         </p:nvSpPr>
         <p:spPr/>
         <p:txBody>
-          <a:bodyPr>
-            <a:normAutofit/>
-          </a:bodyPr>
+          <a:bodyPr/>
           <a:lstStyle/>
           <a:p>
             <a:r>
-              <a:rPr lang="en-US" altLang="ko-KR" dirty="0" err="1"/>
-              <a:t>SessionB</a:t>
+              <a:rPr lang="ko-KR" altLang="en-US" dirty="0"/>
+              <a:t>한 줄 문장이 암호화 되는 과정</a:t>
             </a:r>
+          </a:p>
+        </p:txBody>
+      </p:sp>
+      <p:sp>
+        <p:nvSpPr>
+          <p:cNvPr id="4" name="직사각형 3">
+            <a:extLst>
+              <a:ext uri="{FF2B5EF4-FFF2-40B4-BE49-F238E27FC236}">
+                <a16:creationId xmlns:a16="http://schemas.microsoft.com/office/drawing/2014/main" id="{DD7046CB-6222-447A-B129-CDF4DA9AAEBC}"/>
+              </a:ext>
+            </a:extLst>
+          </p:cNvPr>
+          <p:cNvSpPr/>
+          <p:nvPr/>
+        </p:nvSpPr>
+        <p:spPr>
+          <a:xfrm>
+            <a:off x="1460408" y="3012918"/>
+            <a:ext cx="1480144" cy="374970"/>
+          </a:xfrm>
+          <a:prstGeom prst="rect">
+            <a:avLst/>
+          </a:prstGeom>
+        </p:spPr>
+        <p:style>
+          <a:lnRef idx="2">
+            <a:schemeClr val="accent1">
+              <a:shade val="50000"/>
+            </a:schemeClr>
+          </a:lnRef>
+          <a:fillRef idx="1">
+            <a:schemeClr val="accent1"/>
+          </a:fillRef>
+          <a:effectRef idx="0">
+            <a:schemeClr val="accent1"/>
+          </a:effectRef>
+          <a:fontRef idx="minor">
+            <a:schemeClr val="lt1"/>
+          </a:fontRef>
+        </p:style>
+        <p:txBody>
+          <a:bodyPr rtlCol="0" anchor="ctr"/>
+          <a:lstStyle/>
+          <a:p>
+            <a:pPr algn="ctr"/>
             <a:r>
               <a:rPr lang="en-US" altLang="ko-KR" dirty="0"/>
-              <a:t> </a:t>
+              <a:t>128bit</a:t>
             </a:r>
-            <a:r>
-              <a:rPr lang="ko-KR" altLang="en-US" dirty="0"/>
-              <a:t>객체가 세션에 저장되는 과정</a:t>
-            </a:r>
+            <a:endParaRPr lang="ko-KR" altLang="en-US" dirty="0"/>
           </a:p>
         </p:txBody>
       </p:sp>
@@ -16829,7 +16636,7 @@
           <p:cNvPr id="5" name="직사각형 4">
             <a:extLst>
               <a:ext uri="{FF2B5EF4-FFF2-40B4-BE49-F238E27FC236}">
-                <a16:creationId xmlns:a16="http://schemas.microsoft.com/office/drawing/2014/main" id="{7097D2F4-AF42-4CD3-B0F1-C28657B13665}"/>
+                <a16:creationId xmlns:a16="http://schemas.microsoft.com/office/drawing/2014/main" id="{F5940D91-3AAF-41F8-AAED-EB0F239E7501}"/>
               </a:ext>
             </a:extLst>
           </p:cNvPr>
@@ -16838,8 +16645,8 @@
         </p:nvSpPr>
         <p:spPr>
           <a:xfrm>
-            <a:off x="1362827" y="2105092"/>
-            <a:ext cx="1932960" cy="631530"/>
+            <a:off x="3410908" y="3012918"/>
+            <a:ext cx="1480144" cy="374970"/>
           </a:xfrm>
           <a:prstGeom prst="rect">
             <a:avLst/>
@@ -16847,15 +16654,115 @@
         </p:spPr>
         <p:style>
           <a:lnRef idx="2">
-            <a:schemeClr val="dk1">
+            <a:schemeClr val="accent1">
               <a:shade val="50000"/>
             </a:schemeClr>
           </a:lnRef>
           <a:fillRef idx="1">
-            <a:schemeClr val="dk1"/>
+            <a:schemeClr val="accent1"/>
           </a:fillRef>
           <a:effectRef idx="0">
-            <a:schemeClr val="dk1"/>
+            <a:schemeClr val="accent1"/>
+          </a:effectRef>
+          <a:fontRef idx="minor">
+            <a:schemeClr val="lt1"/>
+          </a:fontRef>
+        </p:style>
+        <p:txBody>
+          <a:bodyPr rtlCol="0" anchor="ctr"/>
+          <a:lstStyle/>
+          <a:p>
+            <a:pPr algn="ctr"/>
+            <a:r>
+              <a:rPr lang="en-US" altLang="ko-KR" dirty="0"/>
+              <a:t>128bit</a:t>
+            </a:r>
+            <a:endParaRPr lang="ko-KR" altLang="en-US" dirty="0"/>
+          </a:p>
+        </p:txBody>
+      </p:sp>
+      <p:sp>
+        <p:nvSpPr>
+          <p:cNvPr id="7" name="직사각형 6">
+            <a:extLst>
+              <a:ext uri="{FF2B5EF4-FFF2-40B4-BE49-F238E27FC236}">
+                <a16:creationId xmlns:a16="http://schemas.microsoft.com/office/drawing/2014/main" id="{5A636360-F5E1-4119-AC07-D4FB01F51940}"/>
+              </a:ext>
+            </a:extLst>
+          </p:cNvPr>
+          <p:cNvSpPr/>
+          <p:nvPr/>
+        </p:nvSpPr>
+        <p:spPr>
+          <a:xfrm>
+            <a:off x="5423904" y="3012918"/>
+            <a:ext cx="1480144" cy="374970"/>
+          </a:xfrm>
+          <a:prstGeom prst="rect">
+            <a:avLst/>
+          </a:prstGeom>
+        </p:spPr>
+        <p:style>
+          <a:lnRef idx="2">
+            <a:schemeClr val="accent1">
+              <a:shade val="50000"/>
+            </a:schemeClr>
+          </a:lnRef>
+          <a:fillRef idx="1">
+            <a:schemeClr val="accent1"/>
+          </a:fillRef>
+          <a:effectRef idx="0">
+            <a:schemeClr val="accent1"/>
+          </a:effectRef>
+          <a:fontRef idx="minor">
+            <a:schemeClr val="lt1"/>
+          </a:fontRef>
+        </p:style>
+        <p:txBody>
+          <a:bodyPr rtlCol="0" anchor="ctr"/>
+          <a:lstStyle/>
+          <a:p>
+            <a:pPr algn="ctr"/>
+            <a:r>
+              <a:rPr lang="en-US" altLang="ko-KR"/>
+              <a:t>128bit</a:t>
+            </a:r>
+            <a:endParaRPr lang="ko-KR" altLang="en-US" dirty="0"/>
+          </a:p>
+        </p:txBody>
+      </p:sp>
+      <p:sp>
+        <p:nvSpPr>
+          <p:cNvPr id="8" name="직사각형 7">
+            <a:extLst>
+              <a:ext uri="{FF2B5EF4-FFF2-40B4-BE49-F238E27FC236}">
+                <a16:creationId xmlns:a16="http://schemas.microsoft.com/office/drawing/2014/main" id="{578C472E-2B8E-4507-9D87-A4858139DBD0}"/>
+              </a:ext>
+            </a:extLst>
+          </p:cNvPr>
+          <p:cNvSpPr/>
+          <p:nvPr/>
+        </p:nvSpPr>
+        <p:spPr>
+          <a:xfrm>
+            <a:off x="6181519" y="3012918"/>
+            <a:ext cx="722529" cy="374970"/>
+          </a:xfrm>
+          <a:prstGeom prst="rect">
+            <a:avLst/>
+          </a:prstGeom>
+        </p:spPr>
+        <p:style>
+          <a:lnRef idx="2">
+            <a:schemeClr val="accent4">
+              <a:shade val="50000"/>
+            </a:schemeClr>
+          </a:lnRef>
+          <a:fillRef idx="1">
+            <a:schemeClr val="accent4"/>
+          </a:fillRef>
+          <a:effectRef idx="0">
+            <a:schemeClr val="accent4"/>
           </a:effectRef>
           <a:fontRef idx="minor">
             <a:schemeClr val="lt1"/>
@@ -16868,25 +16775,17 @@
             <a:pPr algn="ctr"/>
             <a:r>
               <a:rPr lang="ko-KR" altLang="en-US" dirty="0"/>
-              <a:t>쿠키</a:t>
-            </a:r>
-            <a:endParaRPr lang="en-US" altLang="ko-KR" dirty="0"/>
-          </a:p>
-          <a:p>
-            <a:pPr algn="ctr"/>
-            <a:r>
-              <a:rPr lang="en-US" altLang="ko-KR" dirty="0"/>
-              <a:t>JSESSIONID</a:t>
+              <a:t>패딩</a:t>
             </a:r>
           </a:p>
         </p:txBody>
       </p:sp>
       <p:sp>
         <p:nvSpPr>
-          <p:cNvPr id="6" name="직사각형 5">
+          <p:cNvPr id="10" name="직사각형 9">
             <a:extLst>
               <a:ext uri="{FF2B5EF4-FFF2-40B4-BE49-F238E27FC236}">
-                <a16:creationId xmlns:a16="http://schemas.microsoft.com/office/drawing/2014/main" id="{5C3B0EBE-1EC0-48BE-9586-A1BC38B8CD75}"/>
+                <a16:creationId xmlns:a16="http://schemas.microsoft.com/office/drawing/2014/main" id="{9C78A72A-052A-44FB-8832-AB519A89D0C8}"/>
               </a:ext>
             </a:extLst>
           </p:cNvPr>
@@ -16895,8 +16794,8 @@
         </p:nvSpPr>
         <p:spPr>
           <a:xfrm>
-            <a:off x="2329307" y="2965254"/>
-            <a:ext cx="1932960" cy="631530"/>
+            <a:off x="1460407" y="1994358"/>
+            <a:ext cx="4703569" cy="374970"/>
           </a:xfrm>
           <a:prstGeom prst="rect">
             <a:avLst/>
@@ -16904,65 +16803,15 @@
         </p:spPr>
         <p:style>
           <a:lnRef idx="2">
-            <a:schemeClr val="dk1">
+            <a:schemeClr val="accent1">
               <a:shade val="50000"/>
             </a:schemeClr>
           </a:lnRef>
           <a:fillRef idx="1">
-            <a:schemeClr val="dk1"/>
+            <a:schemeClr val="accent1"/>
           </a:fillRef>
           <a:effectRef idx="0">
-            <a:schemeClr val="dk1"/>
-          </a:effectRef>
-          <a:fontRef idx="minor">
-            <a:schemeClr val="lt1"/>
-          </a:fontRef>
-        </p:style>
-        <p:txBody>
-          <a:bodyPr rtlCol="0" anchor="ctr"/>
-          <a:lstStyle/>
-          <a:p>
-            <a:pPr algn="ctr"/>
-            <a:r>
-              <a:rPr lang="en-US" altLang="ko-KR" dirty="0" err="1"/>
-              <a:t>SessionB</a:t>
-            </a:r>
-            <a:endParaRPr lang="en-US" altLang="ko-KR" dirty="0"/>
-          </a:p>
-        </p:txBody>
-      </p:sp>
-      <p:sp>
-        <p:nvSpPr>
-          <p:cNvPr id="7" name="직사각형 6">
-            <a:extLst>
-              <a:ext uri="{FF2B5EF4-FFF2-40B4-BE49-F238E27FC236}">
-                <a16:creationId xmlns:a16="http://schemas.microsoft.com/office/drawing/2014/main" id="{D92D608C-33B4-4399-A294-E10A28D63948}"/>
-              </a:ext>
-            </a:extLst>
-          </p:cNvPr>
-          <p:cNvSpPr/>
-          <p:nvPr/>
-        </p:nvSpPr>
-        <p:spPr>
-          <a:xfrm>
-            <a:off x="3295787" y="3776054"/>
-            <a:ext cx="1932960" cy="631530"/>
-          </a:xfrm>
-          <a:prstGeom prst="rect">
-            <a:avLst/>
-          </a:prstGeom>
-        </p:spPr>
-        <p:style>
-          <a:lnRef idx="2">
-            <a:schemeClr val="dk1">
-              <a:shade val="50000"/>
-            </a:schemeClr>
-          </a:lnRef>
-          <a:fillRef idx="1">
-            <a:schemeClr val="dk1"/>
-          </a:fillRef>
-          <a:effectRef idx="0">
-            <a:schemeClr val="dk1"/>
+            <a:schemeClr val="accent1"/>
           </a:effectRef>
           <a:fontRef idx="minor">
             <a:schemeClr val="lt1"/>
@@ -16975,33 +16824,17 @@
             <a:pPr algn="ctr"/>
             <a:r>
               <a:rPr lang="ko-KR" altLang="en-US" dirty="0"/>
-              <a:t>페이지</a:t>
-            </a:r>
-            <a:endParaRPr lang="en-US" altLang="ko-KR" dirty="0"/>
-          </a:p>
-          <a:p>
-            <a:pPr algn="ctr"/>
-            <a:r>
-              <a:rPr lang="en-US" altLang="ko-KR" dirty="0"/>
-              <a:t>(</a:t>
-            </a:r>
-            <a:r>
-              <a:rPr lang="ko-KR" altLang="en-US" dirty="0"/>
-              <a:t>주기억장치</a:t>
-            </a:r>
-            <a:r>
-              <a:rPr lang="en-US" altLang="ko-KR" dirty="0"/>
-              <a:t>)</a:t>
+              <a:t>한 줄 문장</a:t>
             </a:r>
           </a:p>
         </p:txBody>
       </p:sp>
       <p:sp>
         <p:nvSpPr>
-          <p:cNvPr id="8" name="직사각형 7">
+          <p:cNvPr id="16" name="직사각형 15">
             <a:extLst>
               <a:ext uri="{FF2B5EF4-FFF2-40B4-BE49-F238E27FC236}">
-                <a16:creationId xmlns:a16="http://schemas.microsoft.com/office/drawing/2014/main" id="{0346FC6B-3053-4A66-829B-293AAAF8F836}"/>
+                <a16:creationId xmlns:a16="http://schemas.microsoft.com/office/drawing/2014/main" id="{93DAC4C3-966E-4F36-B913-DFA68986B529}"/>
               </a:ext>
             </a:extLst>
           </p:cNvPr>
@@ -17010,8 +16843,8 @@
         </p:nvSpPr>
         <p:spPr>
           <a:xfrm>
-            <a:off x="4262267" y="4600035"/>
-            <a:ext cx="1932960" cy="631530"/>
+            <a:off x="1460407" y="4015030"/>
+            <a:ext cx="1480144" cy="374970"/>
           </a:xfrm>
           <a:prstGeom prst="rect">
             <a:avLst/>
@@ -17019,15 +16852,165 @@
         </p:spPr>
         <p:style>
           <a:lnRef idx="2">
-            <a:schemeClr val="dk1">
+            <a:schemeClr val="accent1">
               <a:shade val="50000"/>
             </a:schemeClr>
           </a:lnRef>
           <a:fillRef idx="1">
-            <a:schemeClr val="dk1"/>
+            <a:schemeClr val="accent1"/>
           </a:fillRef>
           <a:effectRef idx="0">
-            <a:schemeClr val="dk1"/>
+            <a:schemeClr val="accent1"/>
+          </a:effectRef>
+          <a:fontRef idx="minor">
+            <a:schemeClr val="lt1"/>
+          </a:fontRef>
+        </p:style>
+        <p:txBody>
+          <a:bodyPr rtlCol="0" anchor="ctr"/>
+          <a:lstStyle/>
+          <a:p>
+            <a:pPr algn="ctr"/>
+            <a:r>
+              <a:rPr lang="en-US" altLang="ko-KR" dirty="0"/>
+              <a:t>128bit</a:t>
+            </a:r>
+            <a:endParaRPr lang="ko-KR" altLang="en-US" dirty="0"/>
+          </a:p>
+        </p:txBody>
+      </p:sp>
+      <p:sp>
+        <p:nvSpPr>
+          <p:cNvPr id="17" name="직사각형 16">
+            <a:extLst>
+              <a:ext uri="{FF2B5EF4-FFF2-40B4-BE49-F238E27FC236}">
+                <a16:creationId xmlns:a16="http://schemas.microsoft.com/office/drawing/2014/main" id="{1954F1D3-C1DB-42DA-9593-A54CCC39E678}"/>
+              </a:ext>
+            </a:extLst>
+          </p:cNvPr>
+          <p:cNvSpPr/>
+          <p:nvPr/>
+        </p:nvSpPr>
+        <p:spPr>
+          <a:xfrm>
+            <a:off x="3410908" y="4015030"/>
+            <a:ext cx="1480144" cy="374970"/>
+          </a:xfrm>
+          <a:prstGeom prst="rect">
+            <a:avLst/>
+          </a:prstGeom>
+        </p:spPr>
+        <p:style>
+          <a:lnRef idx="2">
+            <a:schemeClr val="accent1">
+              <a:shade val="50000"/>
+            </a:schemeClr>
+          </a:lnRef>
+          <a:fillRef idx="1">
+            <a:schemeClr val="accent1"/>
+          </a:fillRef>
+          <a:effectRef idx="0">
+            <a:schemeClr val="accent1"/>
+          </a:effectRef>
+          <a:fontRef idx="minor">
+            <a:schemeClr val="lt1"/>
+          </a:fontRef>
+        </p:style>
+        <p:txBody>
+          <a:bodyPr rtlCol="0" anchor="ctr"/>
+          <a:lstStyle/>
+          <a:p>
+            <a:pPr algn="ctr"/>
+            <a:r>
+              <a:rPr lang="en-US" altLang="ko-KR" dirty="0"/>
+              <a:t>128bit</a:t>
+            </a:r>
+            <a:endParaRPr lang="ko-KR" altLang="en-US" dirty="0"/>
+          </a:p>
+        </p:txBody>
+      </p:sp>
+      <p:sp>
+        <p:nvSpPr>
+          <p:cNvPr id="19" name="직사각형 18">
+            <a:extLst>
+              <a:ext uri="{FF2B5EF4-FFF2-40B4-BE49-F238E27FC236}">
+                <a16:creationId xmlns:a16="http://schemas.microsoft.com/office/drawing/2014/main" id="{4EF56E53-A4A0-4D69-B504-079D6A93A641}"/>
+              </a:ext>
+            </a:extLst>
+          </p:cNvPr>
+          <p:cNvSpPr/>
+          <p:nvPr/>
+        </p:nvSpPr>
+        <p:spPr>
+          <a:xfrm>
+            <a:off x="5423904" y="4015030"/>
+            <a:ext cx="1480144" cy="374970"/>
+          </a:xfrm>
+          <a:prstGeom prst="rect">
+            <a:avLst/>
+          </a:prstGeom>
+        </p:spPr>
+        <p:style>
+          <a:lnRef idx="2">
+            <a:schemeClr val="accent1">
+              <a:shade val="50000"/>
+            </a:schemeClr>
+          </a:lnRef>
+          <a:fillRef idx="1">
+            <a:schemeClr val="accent1"/>
+          </a:fillRef>
+          <a:effectRef idx="0">
+            <a:schemeClr val="accent1"/>
+          </a:effectRef>
+          <a:fontRef idx="minor">
+            <a:schemeClr val="lt1"/>
+          </a:fontRef>
+        </p:style>
+        <p:txBody>
+          <a:bodyPr rtlCol="0" anchor="ctr"/>
+          <a:lstStyle/>
+          <a:p>
+            <a:pPr algn="ctr"/>
+            <a:r>
+              <a:rPr lang="en-US" altLang="ko-KR" dirty="0"/>
+              <a:t>128bit</a:t>
+            </a:r>
+            <a:endParaRPr lang="ko-KR" altLang="en-US" dirty="0"/>
+          </a:p>
+        </p:txBody>
+      </p:sp>
+      <p:sp>
+        <p:nvSpPr>
+          <p:cNvPr id="20" name="직사각형 19">
+            <a:extLst>
+              <a:ext uri="{FF2B5EF4-FFF2-40B4-BE49-F238E27FC236}">
+                <a16:creationId xmlns:a16="http://schemas.microsoft.com/office/drawing/2014/main" id="{03A022D2-47F8-4CFE-BCFE-015783D22438}"/>
+              </a:ext>
+            </a:extLst>
+          </p:cNvPr>
+          <p:cNvSpPr/>
+          <p:nvPr/>
+        </p:nvSpPr>
+        <p:spPr>
+          <a:xfrm>
+            <a:off x="1460407" y="5033590"/>
+            <a:ext cx="6102579" cy="374970"/>
+          </a:xfrm>
+          <a:prstGeom prst="rect">
+            <a:avLst/>
+          </a:prstGeom>
+        </p:spPr>
+        <p:style>
+          <a:lnRef idx="2">
+            <a:schemeClr val="accent1">
+              <a:shade val="50000"/>
+            </a:schemeClr>
+          </a:lnRef>
+          <a:fillRef idx="1">
+            <a:schemeClr val="accent1"/>
+          </a:fillRef>
+          <a:effectRef idx="0">
+            <a:schemeClr val="accent1"/>
           </a:effectRef>
           <a:fontRef idx="minor">
             <a:schemeClr val="lt1"/>
@@ -17040,91 +17023,185 @@
             <a:pPr algn="ctr"/>
             <a:r>
               <a:rPr lang="ko-KR" altLang="en-US" dirty="0"/>
-              <a:t>스토리지</a:t>
-            </a:r>
-            <a:endParaRPr lang="en-US" altLang="ko-KR" dirty="0"/>
-          </a:p>
-          <a:p>
-            <a:pPr algn="ctr"/>
-            <a:r>
-              <a:rPr lang="en-US" altLang="ko-KR" dirty="0"/>
-              <a:t>(</a:t>
-            </a:r>
-            <a:r>
-              <a:rPr lang="ko-KR" altLang="en-US" dirty="0"/>
-              <a:t>보조기억장치</a:t>
-            </a:r>
-            <a:r>
-              <a:rPr lang="en-US" altLang="ko-KR" dirty="0"/>
-              <a:t>)</a:t>
+              <a:t>암호문</a:t>
             </a:r>
           </a:p>
         </p:txBody>
       </p:sp>
       <p:pic>
         <p:nvPicPr>
-          <p:cNvPr id="4" name="그림 3">
+          <p:cNvPr id="1028" name="Picture 4">
+            <a:hlinkClick r:id="rId2"/>
             <a:extLst>
               <a:ext uri="{FF2B5EF4-FFF2-40B4-BE49-F238E27FC236}">
-                <a16:creationId xmlns:a16="http://schemas.microsoft.com/office/drawing/2014/main" id="{D5DC1B66-8C44-4A4C-8A16-29E126CCB722}"/>
+                <a16:creationId xmlns:a16="http://schemas.microsoft.com/office/drawing/2014/main" id="{B29D66F2-04A7-4A48-BBA4-70899F49F67B}"/>
               </a:ext>
             </a:extLst>
           </p:cNvPr>
           <p:cNvPicPr>
-            <a:picLocks noChangeAspect="1"/>
+            <a:picLocks noChangeAspect="1" noChangeArrowheads="1"/>
           </p:cNvPicPr>
           <p:nvPr/>
         </p:nvPicPr>
         <p:blipFill>
-          <a:blip r:embed="rId2"/>
+          <a:blip r:embed="rId3">
+            <a:extLst>
+              <a:ext uri="{28A0092B-C50C-407E-A947-70E740481C1C}">
+                <a14:useLocalDpi xmlns:a14="http://schemas.microsoft.com/office/drawing/2010/main" val="0"/>
+              </a:ext>
+            </a:extLst>
+          </a:blip>
+          <a:srcRect/>
           <a:stretch>
             <a:fillRect/>
           </a:stretch>
         </p:blipFill>
-        <p:spPr>
+        <p:spPr bwMode="auto">
           <a:xfrm>
-            <a:off x="5990745" y="2838299"/>
-            <a:ext cx="5522032" cy="633261"/>
+            <a:off x="7562986" y="1451922"/>
+            <a:ext cx="4171328" cy="3121992"/>
           </a:xfrm>
           <a:prstGeom prst="rect">
             <a:avLst/>
           </a:prstGeom>
-        </p:spPr>
-      </p:pic>
-      <p:pic>
-        <p:nvPicPr>
-          <p:cNvPr id="10" name="그림 9">
-            <a:extLst>
-              <a:ext uri="{FF2B5EF4-FFF2-40B4-BE49-F238E27FC236}">
-                <a16:creationId xmlns:a16="http://schemas.microsoft.com/office/drawing/2014/main" id="{87266E16-0FEF-455F-8B68-F880E1802616}"/>
-              </a:ext>
-            </a:extLst>
-          </p:cNvPr>
-          <p:cNvPicPr>
-            <a:picLocks noChangeAspect="1"/>
-          </p:cNvPicPr>
-          <p:nvPr/>
-        </p:nvPicPr>
-        <p:blipFill>
-          <a:blip r:embed="rId3"/>
-          <a:stretch>
-            <a:fillRect/>
-          </a:stretch>
-        </p:blipFill>
-        <p:spPr>
-          <a:xfrm>
-            <a:off x="6096000" y="1949261"/>
-            <a:ext cx="5034422" cy="696587"/>
-          </a:xfrm>
-          <a:prstGeom prst="rect">
-            <a:avLst/>
-          </a:prstGeom>
+          <a:noFill/>
+          <a:extLst>
+            <a:ext uri="{909E8E84-426E-40DD-AFC4-6F175D3DCCD1}">
+              <a14:hiddenFill xmlns:a14="http://schemas.microsoft.com/office/drawing/2010/main">
+                <a:solidFill>
+                  <a:srgbClr val="FFFFFF"/>
+                </a:solidFill>
+              </a14:hiddenFill>
+            </a:ext>
+          </a:extLst>
         </p:spPr>
       </p:pic>
     </p:spTree>
     <p:extLst>
       <p:ext uri="{BB962C8B-B14F-4D97-AF65-F5344CB8AC3E}">
-        <p14:creationId xmlns:p14="http://schemas.microsoft.com/office/powerpoint/2010/main" val="2196669410"/>
+        <p14:creationId xmlns:p14="http://schemas.microsoft.com/office/powerpoint/2010/main" val="404669511"/>
+      </p:ext>
+    </p:extLst>
+  </p:cSld>
+  <p:clrMapOvr>
+    <a:masterClrMapping/>
+  </p:clrMapOvr>
+  <mc:AlternateContent xmlns:mc="http://schemas.openxmlformats.org/markup-compatibility/2006" xmlns:p14="http://schemas.microsoft.com/office/powerpoint/2010/main">
+    <mc:Choice Requires="p14">
+      <p:transition spd="med" p14:dur="700">
+        <p:fade/>
+      </p:transition>
+    </mc:Choice>
+    <mc:Fallback xmlns="">
+      <p:transition spd="med">
+        <p:fade/>
+      </p:transition>
+    </mc:Fallback>
+  </mc:AlternateContent>
+</p:sld>
+</file>
+
+<file path=ppt/slides/slide7.xml><?xml version="1.0" encoding="utf-8"?>
+<p:sld xmlns:a="http://schemas.openxmlformats.org/drawingml/2006/main" xmlns:r="http://schemas.openxmlformats.org/officeDocument/2006/relationships" xmlns:p="http://schemas.openxmlformats.org/presentationml/2006/main">
+  <p:cSld>
+    <p:spTree>
+      <p:nvGrpSpPr>
+        <p:cNvPr id="1" name=""/>
+        <p:cNvGrpSpPr/>
+        <p:nvPr/>
+      </p:nvGrpSpPr>
+      <p:grpSpPr>
+        <a:xfrm>
+          <a:off x="0" y="0"/>
+          <a:ext cx="0" cy="0"/>
+          <a:chOff x="0" y="0"/>
+          <a:chExt cx="0" cy="0"/>
+        </a:xfrm>
+      </p:grpSpPr>
+      <p:sp>
+        <p:nvSpPr>
+          <p:cNvPr id="2" name="제목 1">
+            <a:extLst>
+              <a:ext uri="{FF2B5EF4-FFF2-40B4-BE49-F238E27FC236}">
+                <a16:creationId xmlns:a16="http://schemas.microsoft.com/office/drawing/2014/main" id="{BA5D0597-4C5A-4BCD-822E-643F66B48745}"/>
+              </a:ext>
+            </a:extLst>
+          </p:cNvPr>
+          <p:cNvSpPr>
+            <a:spLocks noGrp="1"/>
+          </p:cNvSpPr>
+          <p:nvPr>
+            <p:ph type="title"/>
+          </p:nvPr>
+        </p:nvSpPr>
+        <p:spPr/>
+        <p:txBody>
+          <a:bodyPr>
+            <a:normAutofit/>
+          </a:bodyPr>
+          <a:lstStyle/>
+          <a:p>
+            <a:r>
+              <a:rPr lang="ko-KR" altLang="en-US" dirty="0"/>
+              <a:t>우리가 만들 암호화 기능</a:t>
+            </a:r>
+          </a:p>
+        </p:txBody>
+      </p:sp>
+      <p:pic>
+        <p:nvPicPr>
+          <p:cNvPr id="6" name="Picture 2">
+            <a:hlinkClick r:id="rId2"/>
+            <a:extLst>
+              <a:ext uri="{FF2B5EF4-FFF2-40B4-BE49-F238E27FC236}">
+                <a16:creationId xmlns:a16="http://schemas.microsoft.com/office/drawing/2014/main" id="{4D3D375D-1EDB-4D2E-9E54-4A6B3642B463}"/>
+              </a:ext>
+            </a:extLst>
+          </p:cNvPr>
+          <p:cNvPicPr>
+            <a:picLocks noGrp="1" noChangeAspect="1" noChangeArrowheads="1"/>
+          </p:cNvPicPr>
+          <p:nvPr>
+            <p:ph idx="1"/>
+          </p:nvPr>
+        </p:nvPicPr>
+        <p:blipFill>
+          <a:blip r:embed="rId3">
+            <a:extLst>
+              <a:ext uri="{28A0092B-C50C-407E-A947-70E740481C1C}">
+                <a14:useLocalDpi xmlns:a14="http://schemas.microsoft.com/office/drawing/2010/main" val="0"/>
+              </a:ext>
+            </a:extLst>
+          </a:blip>
+          <a:srcRect/>
+          <a:stretch>
+            <a:fillRect/>
+          </a:stretch>
+        </p:blipFill>
+        <p:spPr bwMode="auto">
+          <a:xfrm>
+            <a:off x="1295400" y="2007513"/>
+            <a:ext cx="4527011" cy="3810000"/>
+          </a:xfrm>
+          <a:prstGeom prst="rect">
+            <a:avLst/>
+          </a:prstGeom>
+          <a:noFill/>
+          <a:extLst>
+            <a:ext uri="{909E8E84-426E-40DD-AFC4-6F175D3DCCD1}">
+              <a14:hiddenFill xmlns:a14="http://schemas.microsoft.com/office/drawing/2010/main">
+                <a:solidFill>
+                  <a:srgbClr val="FFFFFF"/>
+                </a:solidFill>
+              </a14:hiddenFill>
+            </a:ext>
+          </a:extLst>
+        </p:spPr>
+      </p:pic>
+    </p:spTree>
+    <p:extLst>
+      <p:ext uri="{BB962C8B-B14F-4D97-AF65-F5344CB8AC3E}">
+        <p14:creationId xmlns:p14="http://schemas.microsoft.com/office/powerpoint/2010/main" val="1400909483"/>
       </p:ext>
     </p:extLst>
   </p:cSld>
